--- a/ppt/codegendev-blancofw.pptx
+++ b/ppt/codegendev-blancofw.pptx
@@ -6,8 +6,11 @@
   </p:sldMasterIdLst>
   <p:sldIdLst>
     <p:sldId id="256" r:id="rId2"/>
-    <p:sldId id="260" r:id="rId3"/>
-    <p:sldId id="259" r:id="rId4"/>
+    <p:sldId id="261" r:id="rId3"/>
+    <p:sldId id="260" r:id="rId4"/>
+    <p:sldId id="262" r:id="rId5"/>
+    <p:sldId id="263" r:id="rId6"/>
+    <p:sldId id="259" r:id="rId7"/>
   </p:sldIdLst>
   <p:sldSz cx="12192000" cy="6858000"/>
   <p:notesSz cx="6858000" cy="9144000"/>
@@ -6266,8 +6269,8 @@
           <a:lstStyle/>
           <a:p>
             <a:r>
-              <a:rPr kumimoji="1" lang="ja-JP" altLang="en-US" sz="4400" dirty="0" smtClean="0"/>
-              <a:t>そもそも</a:t>
+              <a:rPr lang="ja-JP" altLang="en-US" sz="4400" dirty="0" smtClean="0"/>
+              <a:t>歴史など</a:t>
             </a:r>
             <a:endParaRPr kumimoji="1" lang="ja-JP" altLang="en-US" sz="4400" dirty="0"/>
           </a:p>
@@ -6296,8 +6299,197 @@
           <a:lstStyle/>
           <a:p>
             <a:r>
+              <a:rPr kumimoji="1" lang="en-US" altLang="ja-JP" sz="3200" dirty="0" smtClean="0"/>
+              <a:t>2005</a:t>
+            </a:r>
+            <a:r>
+              <a:rPr kumimoji="1" lang="ja-JP" altLang="en-US" sz="3200" dirty="0" smtClean="0"/>
+              <a:t>年から</a:t>
+            </a:r>
+            <a:endParaRPr kumimoji="1" lang="en-US" altLang="ja-JP" sz="3200" dirty="0" smtClean="0"/>
+          </a:p>
+          <a:p>
+            <a:endParaRPr kumimoji="1" lang="en-US" altLang="ja-JP" sz="3200" dirty="0" smtClean="0"/>
+          </a:p>
+          <a:p>
+            <a:r>
+              <a:rPr kumimoji="1" lang="en-US" altLang="ja-JP" sz="3200" dirty="0" err="1" smtClean="0"/>
+              <a:t>blacn</a:t>
+            </a:r>
+            <a:r>
+              <a:rPr lang="en-US" altLang="ja-JP" sz="3200" dirty="0" err="1" smtClean="0"/>
+              <a:t>o</a:t>
+            </a:r>
+            <a:r>
+              <a:rPr lang="en-US" altLang="ja-JP" sz="3200" dirty="0" smtClean="0"/>
+              <a:t> Framework </a:t>
+            </a:r>
+            <a:r>
               <a:rPr lang="ja-JP" altLang="en-US" sz="3200" dirty="0" smtClean="0"/>
-              <a:t>ソースコードを生成することとは</a:t>
+              <a:t>そのものは </a:t>
+            </a:r>
+            <a:r>
+              <a:rPr lang="en-US" altLang="ja-JP" sz="3200" dirty="0" smtClean="0"/>
+              <a:t>Java </a:t>
+            </a:r>
+            <a:r>
+              <a:rPr lang="ja-JP" altLang="en-US" sz="3200" dirty="0" smtClean="0"/>
+              <a:t>で書かれている</a:t>
+            </a:r>
+            <a:endParaRPr lang="en-US" altLang="ja-JP" sz="3200" dirty="0" smtClean="0"/>
+          </a:p>
+          <a:p>
+            <a:r>
+              <a:rPr kumimoji="1" lang="ja-JP" altLang="en-US" sz="3200" dirty="0" smtClean="0"/>
+              <a:t>生成プログラミング</a:t>
+            </a:r>
+            <a:r>
+              <a:rPr kumimoji="1" lang="ja-JP" altLang="en-US" sz="3200" dirty="0"/>
+              <a:t>言語</a:t>
+            </a:r>
+            <a:r>
+              <a:rPr kumimoji="1" lang="ja-JP" altLang="en-US" sz="3200" dirty="0" smtClean="0"/>
+              <a:t>は、</a:t>
+            </a:r>
+            <a:r>
+              <a:rPr lang="fr-FR" altLang="ja-JP" sz="3200" dirty="0"/>
+              <a:t>Java, C#.NET, JavaScript, VB.NET, PHP, Ruby, </a:t>
+            </a:r>
+            <a:r>
+              <a:rPr lang="fr-FR" altLang="ja-JP" sz="3200" dirty="0" smtClean="0"/>
+              <a:t>Python</a:t>
+            </a:r>
+            <a:r>
+              <a:rPr lang="en-US" altLang="ja-JP" sz="3200" dirty="0" smtClean="0"/>
+              <a:t>, Delphi</a:t>
+            </a:r>
+            <a:endParaRPr lang="fr-FR" altLang="ja-JP" sz="3200" dirty="0"/>
+          </a:p>
+          <a:p>
+            <a:endParaRPr kumimoji="1" lang="en-US" altLang="ja-JP" sz="3200" dirty="0" smtClean="0"/>
+          </a:p>
+        </p:txBody>
+      </p:sp>
+    </p:spTree>
+    <p:extLst>
+      <p:ext uri="{BB962C8B-B14F-4D97-AF65-F5344CB8AC3E}">
+        <p14:creationId xmlns:p14="http://schemas.microsoft.com/office/powerpoint/2010/main" val="3963170019"/>
+      </p:ext>
+    </p:extLst>
+  </p:cSld>
+  <p:clrMapOvr>
+    <a:masterClrMapping/>
+  </p:clrMapOvr>
+</p:sld>
+</file>
+
+<file path=ppt/slides/slide3.xml><?xml version="1.0" encoding="utf-8"?>
+<p:sld xmlns:a="http://schemas.openxmlformats.org/drawingml/2006/main" xmlns:r="http://schemas.openxmlformats.org/officeDocument/2006/relationships" xmlns:p="http://schemas.openxmlformats.org/presentationml/2006/main">
+  <p:cSld>
+    <p:spTree>
+      <p:nvGrpSpPr>
+        <p:cNvPr id="1" name=""/>
+        <p:cNvGrpSpPr/>
+        <p:nvPr/>
+      </p:nvGrpSpPr>
+      <p:grpSpPr>
+        <a:xfrm>
+          <a:off x="0" y="0"/>
+          <a:ext cx="0" cy="0"/>
+          <a:chOff x="0" y="0"/>
+          <a:chExt cx="0" cy="0"/>
+        </a:xfrm>
+      </p:grpSpPr>
+      <p:sp>
+        <p:nvSpPr>
+          <p:cNvPr id="2" name="タイトル 1"/>
+          <p:cNvSpPr>
+            <a:spLocks noGrp="1"/>
+          </p:cNvSpPr>
+          <p:nvPr>
+            <p:ph type="title"/>
+          </p:nvPr>
+        </p:nvSpPr>
+        <p:spPr/>
+        <p:txBody>
+          <a:bodyPr>
+            <a:normAutofit/>
+          </a:bodyPr>
+          <a:lstStyle/>
+          <a:p>
+            <a:r>
+              <a:rPr kumimoji="1" lang="ja-JP" altLang="en-US" sz="4400" dirty="0" smtClean="0"/>
+              <a:t>第</a:t>
+            </a:r>
+            <a:r>
+              <a:rPr kumimoji="1" lang="en-US" altLang="ja-JP" sz="4400" dirty="0" smtClean="0"/>
+              <a:t>1</a:t>
+            </a:r>
+            <a:r>
+              <a:rPr kumimoji="1" lang="ja-JP" altLang="en-US" sz="4400" dirty="0" smtClean="0"/>
+              <a:t>世代 </a:t>
+            </a:r>
+            <a:r>
+              <a:rPr kumimoji="1" lang="en-US" altLang="ja-JP" sz="4400" dirty="0" smtClean="0"/>
+              <a:t>(blanco1g)</a:t>
+            </a:r>
+            <a:endParaRPr kumimoji="1" lang="ja-JP" altLang="en-US" sz="4400" dirty="0"/>
+          </a:p>
+        </p:txBody>
+      </p:sp>
+      <p:sp>
+        <p:nvSpPr>
+          <p:cNvPr id="3" name="コンテンツ プレースホルダー 2"/>
+          <p:cNvSpPr>
+            <a:spLocks noGrp="1"/>
+          </p:cNvSpPr>
+          <p:nvPr>
+            <p:ph idx="1"/>
+          </p:nvPr>
+        </p:nvSpPr>
+        <p:spPr>
+          <a:xfrm>
+            <a:off x="677334" y="2160589"/>
+            <a:ext cx="8596668" cy="4576761"/>
+          </a:xfrm>
+        </p:spPr>
+        <p:txBody>
+          <a:bodyPr>
+            <a:normAutofit/>
+          </a:bodyPr>
+          <a:lstStyle/>
+          <a:p>
+            <a:r>
+              <a:rPr lang="ja-JP" altLang="en-US" sz="3200" dirty="0" smtClean="0"/>
+              <a:t>基本、</a:t>
+            </a:r>
+            <a:r>
+              <a:rPr lang="en-US" altLang="ja-JP" sz="3200" dirty="0" smtClean="0"/>
+              <a:t>Excel </a:t>
+            </a:r>
+            <a:r>
+              <a:rPr lang="ja-JP" altLang="en-US" sz="3200" dirty="0" smtClean="0"/>
+              <a:t>を入力にソースコードを生成</a:t>
+            </a:r>
+            <a:endParaRPr lang="en-US" altLang="ja-JP" sz="3200" dirty="0" smtClean="0"/>
+          </a:p>
+          <a:p>
+            <a:r>
+              <a:rPr kumimoji="1" lang="en-US" altLang="ja-JP" sz="3200" dirty="0" smtClean="0"/>
+              <a:t>Java, C#, JavaScript, PHP, Ruby, Python, Delphi</a:t>
+            </a:r>
+          </a:p>
+          <a:p>
+            <a:r>
+              <a:rPr lang="ja-JP" altLang="en-US" sz="3200" dirty="0" smtClean="0"/>
+              <a:t>特定の狭い領域のソースコード自動生成</a:t>
+            </a:r>
+            <a:endParaRPr lang="en-US" altLang="ja-JP" sz="3200" dirty="0" smtClean="0"/>
+          </a:p>
+          <a:p>
+            <a:r>
+              <a:rPr kumimoji="1" lang="ja-JP" altLang="en-US" sz="3200" dirty="0" smtClean="0"/>
+              <a:t>これをベースに、特定業務領域のソースコード自動生成を作成することを目指す</a:t>
             </a:r>
             <a:endParaRPr kumimoji="1" lang="en-US" altLang="ja-JP" sz="3200" dirty="0" smtClean="0"/>
           </a:p>
@@ -6316,7 +6508,239 @@
 </p:sld>
 </file>
 
-<file path=ppt/slides/slide3.xml><?xml version="1.0" encoding="utf-8"?>
+<file path=ppt/slides/slide4.xml><?xml version="1.0" encoding="utf-8"?>
+<p:sld xmlns:a="http://schemas.openxmlformats.org/drawingml/2006/main" xmlns:r="http://schemas.openxmlformats.org/officeDocument/2006/relationships" xmlns:p="http://schemas.openxmlformats.org/presentationml/2006/main">
+  <p:cSld>
+    <p:spTree>
+      <p:nvGrpSpPr>
+        <p:cNvPr id="1" name=""/>
+        <p:cNvGrpSpPr/>
+        <p:nvPr/>
+      </p:nvGrpSpPr>
+      <p:grpSpPr>
+        <a:xfrm>
+          <a:off x="0" y="0"/>
+          <a:ext cx="0" cy="0"/>
+          <a:chOff x="0" y="0"/>
+          <a:chExt cx="0" cy="0"/>
+        </a:xfrm>
+      </p:grpSpPr>
+      <p:sp>
+        <p:nvSpPr>
+          <p:cNvPr id="2" name="タイトル 1"/>
+          <p:cNvSpPr>
+            <a:spLocks noGrp="1"/>
+          </p:cNvSpPr>
+          <p:nvPr>
+            <p:ph type="title"/>
+          </p:nvPr>
+        </p:nvSpPr>
+        <p:spPr/>
+        <p:txBody>
+          <a:bodyPr>
+            <a:normAutofit/>
+          </a:bodyPr>
+          <a:lstStyle/>
+          <a:p>
+            <a:r>
+              <a:rPr kumimoji="1" lang="ja-JP" altLang="en-US" sz="4400" dirty="0" smtClean="0"/>
+              <a:t>第</a:t>
+            </a:r>
+            <a:r>
+              <a:rPr kumimoji="1" lang="en-US" altLang="ja-JP" sz="4400" dirty="0" smtClean="0"/>
+              <a:t>2</a:t>
+            </a:r>
+            <a:r>
+              <a:rPr kumimoji="1" lang="ja-JP" altLang="en-US" sz="4400" dirty="0" smtClean="0"/>
+              <a:t>世代 </a:t>
+            </a:r>
+            <a:r>
+              <a:rPr kumimoji="1" lang="en-US" altLang="ja-JP" sz="4400" dirty="0" smtClean="0"/>
+              <a:t>(blanco2g)</a:t>
+            </a:r>
+            <a:endParaRPr kumimoji="1" lang="ja-JP" altLang="en-US" sz="4400" dirty="0"/>
+          </a:p>
+        </p:txBody>
+      </p:sp>
+      <p:sp>
+        <p:nvSpPr>
+          <p:cNvPr id="3" name="コンテンツ プレースホルダー 2"/>
+          <p:cNvSpPr>
+            <a:spLocks noGrp="1"/>
+          </p:cNvSpPr>
+          <p:nvPr>
+            <p:ph idx="1"/>
+          </p:nvPr>
+        </p:nvSpPr>
+        <p:spPr>
+          <a:xfrm>
+            <a:off x="677334" y="2160589"/>
+            <a:ext cx="9038166" cy="4576761"/>
+          </a:xfrm>
+        </p:spPr>
+        <p:txBody>
+          <a:bodyPr>
+            <a:normAutofit/>
+          </a:bodyPr>
+          <a:lstStyle/>
+          <a:p>
+            <a:r>
+              <a:rPr lang="ja-JP" altLang="en-US" sz="3200" dirty="0" smtClean="0"/>
+              <a:t>ソースコードを入力してソースコードを生成</a:t>
+            </a:r>
+            <a:endParaRPr lang="en-US" altLang="ja-JP" sz="3200" dirty="0" smtClean="0"/>
+          </a:p>
+          <a:p>
+            <a:pPr lvl="1"/>
+            <a:r>
+              <a:rPr lang="en-US" altLang="ja-JP" sz="3000" dirty="0" smtClean="0"/>
+              <a:t>DI</a:t>
+            </a:r>
+            <a:r>
+              <a:rPr lang="ja-JP" altLang="en-US" sz="3000" dirty="0" smtClean="0"/>
+              <a:t>をソースコードで実施</a:t>
+            </a:r>
+            <a:endParaRPr lang="en-US" altLang="ja-JP" sz="3000" dirty="0" smtClean="0"/>
+          </a:p>
+          <a:p>
+            <a:pPr lvl="1"/>
+            <a:r>
+              <a:rPr lang="ja-JP" altLang="en-US" sz="3000" dirty="0" smtClean="0"/>
+              <a:t>アノテーション</a:t>
+            </a:r>
+            <a:r>
+              <a:rPr lang="ja-JP" altLang="en-US" sz="3000" dirty="0"/>
+              <a:t>ベース</a:t>
+            </a:r>
+            <a:endParaRPr lang="en-US" altLang="ja-JP" sz="3000" dirty="0" smtClean="0"/>
+          </a:p>
+          <a:p>
+            <a:r>
+              <a:rPr kumimoji="1" lang="ja-JP" altLang="en-US" sz="3200" dirty="0" smtClean="0"/>
+              <a:t>生成ソース</a:t>
+            </a:r>
+            <a:r>
+              <a:rPr kumimoji="1" lang="ja-JP" altLang="en-US" sz="3200" dirty="0"/>
+              <a:t>コード</a:t>
+            </a:r>
+            <a:r>
+              <a:rPr kumimoji="1" lang="ja-JP" altLang="en-US" sz="3200" dirty="0" smtClean="0"/>
+              <a:t>は </a:t>
+            </a:r>
+            <a:r>
+              <a:rPr kumimoji="1" lang="en-US" altLang="ja-JP" sz="3200" dirty="0" smtClean="0"/>
+              <a:t>Java </a:t>
+            </a:r>
+            <a:r>
+              <a:rPr kumimoji="1" lang="ja-JP" altLang="en-US" sz="3200" dirty="0" smtClean="0"/>
+              <a:t>のみ</a:t>
+            </a:r>
+            <a:endParaRPr kumimoji="1" lang="en-US" altLang="ja-JP" sz="3200" dirty="0" smtClean="0"/>
+          </a:p>
+        </p:txBody>
+      </p:sp>
+    </p:spTree>
+    <p:extLst>
+      <p:ext uri="{BB962C8B-B14F-4D97-AF65-F5344CB8AC3E}">
+        <p14:creationId xmlns:p14="http://schemas.microsoft.com/office/powerpoint/2010/main" val="1307787135"/>
+      </p:ext>
+    </p:extLst>
+  </p:cSld>
+  <p:clrMapOvr>
+    <a:masterClrMapping/>
+  </p:clrMapOvr>
+</p:sld>
+</file>
+
+<file path=ppt/slides/slide5.xml><?xml version="1.0" encoding="utf-8"?>
+<p:sld xmlns:a="http://schemas.openxmlformats.org/drawingml/2006/main" xmlns:r="http://schemas.openxmlformats.org/officeDocument/2006/relationships" xmlns:p="http://schemas.openxmlformats.org/presentationml/2006/main">
+  <p:cSld>
+    <p:spTree>
+      <p:nvGrpSpPr>
+        <p:cNvPr id="1" name=""/>
+        <p:cNvGrpSpPr/>
+        <p:nvPr/>
+      </p:nvGrpSpPr>
+      <p:grpSpPr>
+        <a:xfrm>
+          <a:off x="0" y="0"/>
+          <a:ext cx="0" cy="0"/>
+          <a:chOff x="0" y="0"/>
+          <a:chExt cx="0" cy="0"/>
+        </a:xfrm>
+      </p:grpSpPr>
+      <p:sp>
+        <p:nvSpPr>
+          <p:cNvPr id="2" name="タイトル 1"/>
+          <p:cNvSpPr>
+            <a:spLocks noGrp="1"/>
+          </p:cNvSpPr>
+          <p:nvPr>
+            <p:ph type="title"/>
+          </p:nvPr>
+        </p:nvSpPr>
+        <p:spPr/>
+        <p:txBody>
+          <a:bodyPr>
+            <a:normAutofit/>
+          </a:bodyPr>
+          <a:lstStyle/>
+          <a:p>
+            <a:r>
+              <a:rPr kumimoji="1" lang="en-US" altLang="ja-JP" sz="4400" dirty="0" smtClean="0"/>
+              <a:t>Excel</a:t>
+            </a:r>
+            <a:r>
+              <a:rPr kumimoji="1" lang="ja-JP" altLang="en-US" sz="4400" dirty="0" smtClean="0"/>
+              <a:t>重要</a:t>
+            </a:r>
+            <a:endParaRPr kumimoji="1" lang="ja-JP" altLang="en-US" sz="4400" dirty="0"/>
+          </a:p>
+        </p:txBody>
+      </p:sp>
+      <p:pic>
+        <p:nvPicPr>
+          <p:cNvPr id="5" name="コンテンツ プレースホルダー 4"/>
+          <p:cNvPicPr>
+            <a:picLocks noGrp="1" noChangeAspect="1"/>
+          </p:cNvPicPr>
+          <p:nvPr>
+            <p:ph idx="1"/>
+          </p:nvPr>
+        </p:nvPicPr>
+        <p:blipFill>
+          <a:blip r:embed="rId2">
+            <a:extLst>
+              <a:ext uri="{28A0092B-C50C-407E-A947-70E740481C1C}">
+                <a14:useLocalDpi xmlns:a14="http://schemas.microsoft.com/office/drawing/2010/main" val="0"/>
+              </a:ext>
+            </a:extLst>
+          </a:blip>
+          <a:stretch>
+            <a:fillRect/>
+          </a:stretch>
+        </p:blipFill>
+        <p:spPr>
+          <a:xfrm>
+            <a:off x="1077239" y="1423988"/>
+            <a:ext cx="8749406" cy="5122862"/>
+          </a:xfrm>
+        </p:spPr>
+      </p:pic>
+    </p:spTree>
+    <p:extLst>
+      <p:ext uri="{BB962C8B-B14F-4D97-AF65-F5344CB8AC3E}">
+        <p14:creationId xmlns:p14="http://schemas.microsoft.com/office/powerpoint/2010/main" val="2967547701"/>
+      </p:ext>
+    </p:extLst>
+  </p:cSld>
+  <p:clrMapOvr>
+    <a:masterClrMapping/>
+  </p:clrMapOvr>
+</p:sld>
+</file>
+
+<file path=ppt/slides/slide6.xml><?xml version="1.0" encoding="utf-8"?>
 <p:sld xmlns:a="http://schemas.openxmlformats.org/drawingml/2006/main" xmlns:r="http://schemas.openxmlformats.org/officeDocument/2006/relationships" xmlns:p="http://schemas.openxmlformats.org/presentationml/2006/main">
   <p:cSld>
     <p:spTree>

--- a/ppt/codegendev-blancofw.pptx
+++ b/ppt/codegendev-blancofw.pptx
@@ -10,7 +10,8 @@
     <p:sldId id="260" r:id="rId4"/>
     <p:sldId id="262" r:id="rId5"/>
     <p:sldId id="263" r:id="rId6"/>
-    <p:sldId id="259" r:id="rId7"/>
+    <p:sldId id="264" r:id="rId7"/>
+    <p:sldId id="259" r:id="rId8"/>
   </p:sldIdLst>
   <p:sldSz cx="12192000" cy="6858000"/>
   <p:notesSz cx="6858000" cy="9144000"/>
@@ -6764,6 +6765,167 @@
             <a:spLocks noGrp="1"/>
           </p:cNvSpPr>
           <p:nvPr>
+            <p:ph type="title"/>
+          </p:nvPr>
+        </p:nvSpPr>
+        <p:spPr/>
+        <p:txBody>
+          <a:bodyPr>
+            <a:normAutofit/>
+          </a:bodyPr>
+          <a:lstStyle/>
+          <a:p>
+            <a:r>
+              <a:rPr kumimoji="1" lang="ja-JP" altLang="en-US" sz="4400" dirty="0" smtClean="0"/>
+              <a:t>ベーシック</a:t>
+            </a:r>
+            <a:endParaRPr kumimoji="1" lang="ja-JP" altLang="en-US" sz="4400" dirty="0"/>
+          </a:p>
+        </p:txBody>
+      </p:sp>
+      <p:sp>
+        <p:nvSpPr>
+          <p:cNvPr id="3" name="コンテンツ プレースホルダー 2"/>
+          <p:cNvSpPr>
+            <a:spLocks noGrp="1"/>
+          </p:cNvSpPr>
+          <p:nvPr>
+            <p:ph idx="1"/>
+          </p:nvPr>
+        </p:nvSpPr>
+        <p:spPr>
+          <a:xfrm>
+            <a:off x="677334" y="2160589"/>
+            <a:ext cx="9038166" cy="4576761"/>
+          </a:xfrm>
+        </p:spPr>
+        <p:txBody>
+          <a:bodyPr>
+            <a:normAutofit/>
+          </a:bodyPr>
+          <a:lstStyle/>
+          <a:p>
+            <a:r>
+              <a:rPr lang="en-US" altLang="ja-JP" sz="3200" dirty="0" smtClean="0"/>
+              <a:t>Java 1.5 </a:t>
+            </a:r>
+            <a:r>
+              <a:rPr lang="ja-JP" altLang="en-US" sz="3200" dirty="0" smtClean="0"/>
+              <a:t>でビルド</a:t>
+            </a:r>
+            <a:r>
+              <a:rPr lang="ja-JP" altLang="en-US" sz="3200" dirty="0" smtClean="0"/>
+              <a:t>してきた</a:t>
+            </a:r>
+            <a:endParaRPr lang="en-US" altLang="ja-JP" sz="3200" dirty="0" smtClean="0"/>
+          </a:p>
+          <a:p>
+            <a:pPr lvl="1"/>
+            <a:r>
+              <a:rPr kumimoji="1" lang="ja-JP" altLang="en-US" sz="3000" dirty="0" smtClean="0"/>
+              <a:t>最近 </a:t>
+            </a:r>
+            <a:r>
+              <a:rPr kumimoji="1" lang="en-US" altLang="ja-JP" sz="3000" dirty="0" err="1" smtClean="0"/>
+              <a:t>github</a:t>
+            </a:r>
+            <a:r>
+              <a:rPr kumimoji="1" lang="en-US" altLang="ja-JP" sz="3000" dirty="0" smtClean="0"/>
+              <a:t> </a:t>
+            </a:r>
+            <a:r>
+              <a:rPr lang="ja-JP" altLang="en-US" sz="3000" dirty="0" smtClean="0"/>
+              <a:t>版は </a:t>
+            </a:r>
+            <a:r>
+              <a:rPr kumimoji="1" lang="en-US" altLang="ja-JP" sz="3000" dirty="0" smtClean="0"/>
+              <a:t>1.6 </a:t>
+            </a:r>
+            <a:r>
+              <a:rPr kumimoji="1" lang="ja-JP" altLang="en-US" sz="3000" dirty="0" err="1" smtClean="0"/>
+              <a:t>まで</a:t>
+            </a:r>
+            <a:r>
+              <a:rPr kumimoji="1" lang="ja-JP" altLang="en-US" sz="3000" dirty="0" smtClean="0"/>
+              <a:t>引き上げ</a:t>
+            </a:r>
+            <a:endParaRPr kumimoji="1" lang="en-US" altLang="ja-JP" sz="3000" dirty="0" smtClean="0"/>
+          </a:p>
+          <a:p>
+            <a:r>
+              <a:rPr lang="en-US" altLang="ja-JP" sz="3200" dirty="0" smtClean="0"/>
+              <a:t>JAR </a:t>
+            </a:r>
+            <a:r>
+              <a:rPr lang="ja-JP" altLang="en-US" sz="3200" dirty="0" smtClean="0"/>
+              <a:t>に ソースを含める</a:t>
+            </a:r>
+            <a:endParaRPr lang="en-US" altLang="ja-JP" sz="3200" dirty="0" smtClean="0"/>
+          </a:p>
+          <a:p>
+            <a:pPr lvl="1"/>
+            <a:r>
+              <a:rPr lang="ja-JP" altLang="en-US" sz="3000" dirty="0" smtClean="0"/>
+              <a:t>いつでも直せるように</a:t>
+            </a:r>
+            <a:r>
+              <a:rPr lang="en-US" altLang="ja-JP" sz="3000" dirty="0" smtClean="0"/>
+              <a:t>!</a:t>
+            </a:r>
+          </a:p>
+          <a:p>
+            <a:r>
+              <a:rPr lang="ja-JP" altLang="en-US" sz="3200" dirty="0" smtClean="0"/>
+              <a:t>ソースコード生成コア→ </a:t>
+            </a:r>
+            <a:r>
+              <a:rPr lang="en-US" altLang="ja-JP" sz="3200" smtClean="0"/>
+              <a:t>blancoCg</a:t>
+            </a:r>
+            <a:endParaRPr lang="en-US" altLang="ja-JP" sz="3200" dirty="0" smtClean="0"/>
+          </a:p>
+          <a:p>
+            <a:endParaRPr kumimoji="1" lang="en-US" altLang="ja-JP" sz="3200" dirty="0" smtClean="0"/>
+          </a:p>
+        </p:txBody>
+      </p:sp>
+    </p:spTree>
+    <p:extLst>
+      <p:ext uri="{BB962C8B-B14F-4D97-AF65-F5344CB8AC3E}">
+        <p14:creationId xmlns:p14="http://schemas.microsoft.com/office/powerpoint/2010/main" val="3868354572"/>
+      </p:ext>
+    </p:extLst>
+  </p:cSld>
+  <p:clrMapOvr>
+    <a:masterClrMapping/>
+  </p:clrMapOvr>
+</p:sld>
+</file>
+
+<file path=ppt/slides/slide7.xml><?xml version="1.0" encoding="utf-8"?>
+<p:sld xmlns:a="http://schemas.openxmlformats.org/drawingml/2006/main" xmlns:r="http://schemas.openxmlformats.org/officeDocument/2006/relationships" xmlns:p="http://schemas.openxmlformats.org/presentationml/2006/main">
+  <p:cSld>
+    <p:spTree>
+      <p:nvGrpSpPr>
+        <p:cNvPr id="1" name=""/>
+        <p:cNvGrpSpPr/>
+        <p:nvPr/>
+      </p:nvGrpSpPr>
+      <p:grpSpPr>
+        <a:xfrm>
+          <a:off x="0" y="0"/>
+          <a:ext cx="0" cy="0"/>
+          <a:chOff x="0" y="0"/>
+          <a:chExt cx="0" cy="0"/>
+        </a:xfrm>
+      </p:grpSpPr>
+      <p:sp>
+        <p:nvSpPr>
+          <p:cNvPr id="2" name="タイトル 1"/>
+          <p:cNvSpPr>
+            <a:spLocks noGrp="1"/>
+          </p:cNvSpPr>
+          <p:nvPr>
             <p:ph type="ctrTitle"/>
           </p:nvPr>
         </p:nvSpPr>

--- a/ppt/codegendev-blancofw.pptx
+++ b/ppt/codegendev-blancofw.pptx
@@ -11,7 +11,8 @@
     <p:sldId id="262" r:id="rId5"/>
     <p:sldId id="263" r:id="rId6"/>
     <p:sldId id="264" r:id="rId7"/>
-    <p:sldId id="259" r:id="rId8"/>
+    <p:sldId id="265" r:id="rId8"/>
+    <p:sldId id="259" r:id="rId9"/>
   </p:sldIdLst>
   <p:sldSz cx="12192000" cy="6858000"/>
   <p:notesSz cx="6858000" cy="9144000"/>
@@ -6811,11 +6812,7 @@
             </a:r>
             <a:r>
               <a:rPr lang="ja-JP" altLang="en-US" sz="3200" dirty="0" smtClean="0"/>
-              <a:t>でビルド</a:t>
-            </a:r>
-            <a:r>
-              <a:rPr lang="ja-JP" altLang="en-US" sz="3200" dirty="0" smtClean="0"/>
-              <a:t>してきた</a:t>
+              <a:t>でビルドしてきた</a:t>
             </a:r>
             <a:endParaRPr lang="en-US" altLang="ja-JP" sz="3200" dirty="0" smtClean="0"/>
           </a:p>
@@ -6903,6 +6900,124 @@
 </file>
 
 <file path=ppt/slides/slide7.xml><?xml version="1.0" encoding="utf-8"?>
+<p:sld xmlns:a="http://schemas.openxmlformats.org/drawingml/2006/main" xmlns:r="http://schemas.openxmlformats.org/officeDocument/2006/relationships" xmlns:p="http://schemas.openxmlformats.org/presentationml/2006/main">
+  <p:cSld>
+    <p:spTree>
+      <p:nvGrpSpPr>
+        <p:cNvPr id="1" name=""/>
+        <p:cNvGrpSpPr/>
+        <p:nvPr/>
+      </p:nvGrpSpPr>
+      <p:grpSpPr>
+        <a:xfrm>
+          <a:off x="0" y="0"/>
+          <a:ext cx="0" cy="0"/>
+          <a:chOff x="0" y="0"/>
+          <a:chExt cx="0" cy="0"/>
+        </a:xfrm>
+      </p:grpSpPr>
+      <p:sp>
+        <p:nvSpPr>
+          <p:cNvPr id="2" name="タイトル 1"/>
+          <p:cNvSpPr>
+            <a:spLocks noGrp="1"/>
+          </p:cNvSpPr>
+          <p:nvPr>
+            <p:ph type="title"/>
+          </p:nvPr>
+        </p:nvSpPr>
+        <p:spPr/>
+        <p:txBody>
+          <a:bodyPr>
+            <a:normAutofit/>
+          </a:bodyPr>
+          <a:lstStyle/>
+          <a:p>
+            <a:r>
+              <a:rPr kumimoji="1" lang="ja-JP" altLang="en-US" sz="4400" dirty="0" smtClean="0"/>
+              <a:t>はまりどころ</a:t>
+            </a:r>
+            <a:endParaRPr kumimoji="1" lang="ja-JP" altLang="en-US" sz="4400" dirty="0"/>
+          </a:p>
+        </p:txBody>
+      </p:sp>
+      <p:sp>
+        <p:nvSpPr>
+          <p:cNvPr id="3" name="コンテンツ プレースホルダー 2"/>
+          <p:cNvSpPr>
+            <a:spLocks noGrp="1"/>
+          </p:cNvSpPr>
+          <p:nvPr>
+            <p:ph idx="1"/>
+          </p:nvPr>
+        </p:nvSpPr>
+        <p:spPr>
+          <a:xfrm>
+            <a:off x="677334" y="2160589"/>
+            <a:ext cx="9038166" cy="4576761"/>
+          </a:xfrm>
+        </p:spPr>
+        <p:txBody>
+          <a:bodyPr>
+            <a:normAutofit/>
+          </a:bodyPr>
+          <a:lstStyle/>
+          <a:p>
+            <a:r>
+              <a:rPr lang="ja-JP" altLang="en-US" sz="3200" dirty="0" smtClean="0"/>
+              <a:t>ビルドタイム</a:t>
+            </a:r>
+            <a:endParaRPr lang="en-US" altLang="ja-JP" sz="3200" dirty="0" smtClean="0"/>
+          </a:p>
+          <a:p>
+            <a:pPr lvl="1"/>
+            <a:r>
+              <a:rPr kumimoji="1" lang="ja-JP" altLang="en-US" sz="3000" dirty="0" smtClean="0"/>
+              <a:t>業務・サブ業務単位で分割を</a:t>
+            </a:r>
+            <a:endParaRPr kumimoji="1" lang="en-US" altLang="ja-JP" sz="3000" dirty="0" smtClean="0"/>
+          </a:p>
+          <a:p>
+            <a:r>
+              <a:rPr lang="ja-JP" altLang="en-US" sz="3200" dirty="0"/>
+              <a:t>様式</a:t>
+            </a:r>
+            <a:r>
+              <a:rPr lang="ja-JP" altLang="en-US" sz="3200" dirty="0" smtClean="0"/>
+              <a:t>のイロハ</a:t>
+            </a:r>
+            <a:endParaRPr lang="en-US" altLang="ja-JP" sz="3200" dirty="0" smtClean="0"/>
+          </a:p>
+          <a:p>
+            <a:r>
+              <a:rPr kumimoji="1" lang="en-US" altLang="ja-JP" sz="3200" dirty="0" smtClean="0"/>
+              <a:t>DB</a:t>
+            </a:r>
+            <a:r>
+              <a:rPr kumimoji="1" lang="ja-JP" altLang="en-US" sz="3200" dirty="0" smtClean="0"/>
+              <a:t>スキーマの不一致</a:t>
+            </a:r>
+            <a:endParaRPr kumimoji="1" lang="en-US" altLang="ja-JP" sz="3200" smtClean="0"/>
+          </a:p>
+          <a:p>
+            <a:endParaRPr kumimoji="1" lang="en-US" altLang="ja-JP" sz="3200" dirty="0" smtClean="0"/>
+          </a:p>
+        </p:txBody>
+      </p:sp>
+    </p:spTree>
+    <p:extLst>
+      <p:ext uri="{BB962C8B-B14F-4D97-AF65-F5344CB8AC3E}">
+        <p14:creationId xmlns:p14="http://schemas.microsoft.com/office/powerpoint/2010/main" val="141885193"/>
+      </p:ext>
+    </p:extLst>
+  </p:cSld>
+  <p:clrMapOvr>
+    <a:masterClrMapping/>
+  </p:clrMapOvr>
+</p:sld>
+</file>
+
+<file path=ppt/slides/slide8.xml><?xml version="1.0" encoding="utf-8"?>
 <p:sld xmlns:a="http://schemas.openxmlformats.org/drawingml/2006/main" xmlns:r="http://schemas.openxmlformats.org/officeDocument/2006/relationships" xmlns:p="http://schemas.openxmlformats.org/presentationml/2006/main">
   <p:cSld>
     <p:spTree>
